--- a/Factory/Factory.pptx
+++ b/Factory/Factory.pptx
@@ -7,14 +7,17 @@
   <p:sldIdLst>
     <p:sldId id="257" r:id="rId2"/>
     <p:sldId id="258" r:id="rId3"/>
-    <p:sldId id="259" r:id="rId4"/>
-    <p:sldId id="260" r:id="rId5"/>
+    <p:sldId id="260" r:id="rId4"/>
+    <p:sldId id="259" r:id="rId5"/>
     <p:sldId id="261" r:id="rId6"/>
     <p:sldId id="262" r:id="rId7"/>
     <p:sldId id="263" r:id="rId8"/>
     <p:sldId id="264" r:id="rId9"/>
     <p:sldId id="265" r:id="rId10"/>
     <p:sldId id="266" r:id="rId11"/>
+    <p:sldId id="267" r:id="rId12"/>
+    <p:sldId id="269" r:id="rId13"/>
+    <p:sldId id="268" r:id="rId14"/>
   </p:sldIdLst>
   <p:sldSz cx="12192000" cy="6858000"/>
   <p:notesSz cx="6858000" cy="9144000"/>
@@ -2994,7 +2997,7 @@
             </a:r>
             <a:r>
               <a:rPr lang="en-US" dirty="0" err="1" smtClean="0"/>
-              <a:t>Gof</a:t>
+              <a:t>GoF</a:t>
             </a:r>
             <a:r>
               <a:rPr lang="en-US" dirty="0" smtClean="0"/>
@@ -3016,14 +3019,16 @@
         </p:nvSpPr>
         <p:spPr/>
         <p:txBody>
-          <a:bodyPr/>
-          <a:lstStyle/>
-          <a:p>
-            <a:r>
-              <a:rPr lang="en-US" dirty="0" smtClean="0"/>
+          <a:bodyPr>
+            <a:normAutofit/>
+          </a:bodyPr>
+          <a:lstStyle/>
+          <a:p>
+            <a:r>
+              <a:rPr lang="en-US" sz="4400" dirty="0" smtClean="0"/>
               <a:t>The Factory Pattern</a:t>
             </a:r>
-            <a:endParaRPr lang="en-US" dirty="0"/>
+            <a:endParaRPr lang="en-US" sz="4400" dirty="0"/>
           </a:p>
         </p:txBody>
       </p:sp>
@@ -3086,6 +3091,7 @@
           </a:bodyPr>
           <a:lstStyle/>
           <a:p>
+            <a:pPr algn="ctr"/>
             <a:r>
               <a:rPr lang="en-US" dirty="0" smtClean="0"/>
               <a:t>Putting this into Production</a:t>
@@ -3203,8 +3209,15 @@
           <a:lstStyle/>
           <a:p>
             <a:r>
-              <a:rPr lang="en-US" dirty="0" smtClean="0"/>
-              <a:t>-Remove all of classes and save to lib/Factory.p</a:t>
+              <a:rPr lang="en-US" b="1" u="sng" dirty="0" smtClean="0"/>
+              <a:t>Edit Factory.pl</a:t>
+            </a:r>
+            <a:endParaRPr lang="en-US" b="1" u="sng" dirty="0" smtClean="0"/>
+          </a:p>
+          <a:p>
+            <a:r>
+              <a:rPr lang="en-US" dirty="0" smtClean="0"/>
+              <a:t>-Move all of classes and save to lib/Factory.p</a:t>
             </a:r>
             <a:r>
               <a:rPr lang="en-US" dirty="0" smtClean="0"/>
@@ -3326,16 +3339,20 @@
           <a:lstStyle/>
           <a:p>
             <a:r>
-              <a:rPr lang="en-US" dirty="0" smtClean="0"/>
-              <a:t>Clean up the code. Call up hi level method of each “factory”. Just ‘</a:t>
-            </a:r>
-            <a:r>
-              <a:rPr lang="en-US" dirty="0" err="1" smtClean="0"/>
-              <a:t>cuz</a:t>
-            </a:r>
-            <a:r>
-              <a:rPr lang="en-US" dirty="0" smtClean="0"/>
-              <a:t> u can touch the details, doesn’t mean you should! </a:t>
+              <a:rPr lang="en-US" b="1" u="sng" dirty="0" smtClean="0"/>
+              <a:t>lib/Shapes.pm</a:t>
+            </a:r>
+          </a:p>
+          <a:p>
+            <a:r>
+              <a:rPr lang="en-US" dirty="0" smtClean="0"/>
+              <a:t>end of the chain …you are good to go  .. No more modifications </a:t>
+            </a:r>
+          </a:p>
+          <a:p>
+            <a:r>
+              <a:rPr lang="en-US" dirty="0" smtClean="0"/>
+              <a:t>Verify </a:t>
             </a:r>
             <a:endParaRPr lang="en-US" dirty="0" smtClean="0"/>
           </a:p>
@@ -3345,6 +3362,499 @@
     <p:extLst>
       <p:ext uri="{BB962C8B-B14F-4D97-AF65-F5344CB8AC3E}">
         <p14:creationId xmlns:p14="http://schemas.microsoft.com/office/powerpoint/2010/main" val="2045888467"/>
+      </p:ext>
+    </p:extLst>
+  </p:cSld>
+  <p:clrMapOvr>
+    <a:masterClrMapping/>
+  </p:clrMapOvr>
+</p:sld>
+</file>
+
+<file path=ppt/slides/slide11.xml><?xml version="1.0" encoding="utf-8"?>
+<p:sld xmlns:a="http://schemas.openxmlformats.org/drawingml/2006/main" xmlns:r="http://schemas.openxmlformats.org/officeDocument/2006/relationships" xmlns:p="http://schemas.openxmlformats.org/presentationml/2006/main">
+  <p:cSld>
+    <p:spTree>
+      <p:nvGrpSpPr>
+        <p:cNvPr id="1" name=""/>
+        <p:cNvGrpSpPr/>
+        <p:nvPr/>
+      </p:nvGrpSpPr>
+      <p:grpSpPr>
+        <a:xfrm>
+          <a:off x="0" y="0"/>
+          <a:ext cx="0" cy="0"/>
+          <a:chOff x="0" y="0"/>
+          <a:chExt cx="0" cy="0"/>
+        </a:xfrm>
+      </p:grpSpPr>
+      <p:sp>
+        <p:nvSpPr>
+          <p:cNvPr id="2" name="Title 1"/>
+          <p:cNvSpPr>
+            <a:spLocks noGrp="1"/>
+          </p:cNvSpPr>
+          <p:nvPr>
+            <p:ph type="title"/>
+          </p:nvPr>
+        </p:nvSpPr>
+        <p:spPr>
+          <a:xfrm>
+            <a:off x="152400" y="152401"/>
+            <a:ext cx="11811000" cy="457200"/>
+          </a:xfrm>
+        </p:spPr>
+        <p:txBody>
+          <a:bodyPr>
+            <a:normAutofit fontScale="90000"/>
+          </a:bodyPr>
+          <a:lstStyle/>
+          <a:p>
+            <a:r>
+              <a:rPr lang="en-US" dirty="0" smtClean="0"/>
+              <a:t>Trust but Verify – Testing your Code</a:t>
+            </a:r>
+            <a:endParaRPr lang="en-US" dirty="0"/>
+          </a:p>
+        </p:txBody>
+      </p:sp>
+      <p:pic>
+        <p:nvPicPr>
+          <p:cNvPr id="4" name="Picture 3"/>
+          <p:cNvPicPr>
+            <a:picLocks noChangeAspect="1"/>
+          </p:cNvPicPr>
+          <p:nvPr/>
+        </p:nvPicPr>
+        <p:blipFill>
+          <a:blip r:embed="rId2"/>
+          <a:stretch>
+            <a:fillRect/>
+          </a:stretch>
+        </p:blipFill>
+        <p:spPr>
+          <a:xfrm>
+            <a:off x="6905625" y="914400"/>
+            <a:ext cx="5286375" cy="4648200"/>
+          </a:xfrm>
+          <a:prstGeom prst="rect">
+            <a:avLst/>
+          </a:prstGeom>
+        </p:spPr>
+      </p:pic>
+      <p:pic>
+        <p:nvPicPr>
+          <p:cNvPr id="5" name="Picture 4"/>
+          <p:cNvPicPr>
+            <a:picLocks noChangeAspect="1"/>
+          </p:cNvPicPr>
+          <p:nvPr/>
+        </p:nvPicPr>
+        <p:blipFill>
+          <a:blip r:embed="rId3"/>
+          <a:stretch>
+            <a:fillRect/>
+          </a:stretch>
+        </p:blipFill>
+        <p:spPr>
+          <a:xfrm>
+            <a:off x="228600" y="3352800"/>
+            <a:ext cx="4752975" cy="1905000"/>
+          </a:xfrm>
+          <a:prstGeom prst="rect">
+            <a:avLst/>
+          </a:prstGeom>
+        </p:spPr>
+      </p:pic>
+      <p:sp>
+        <p:nvSpPr>
+          <p:cNvPr id="7" name="Rectangular Callout 6"/>
+          <p:cNvSpPr/>
+          <p:nvPr/>
+        </p:nvSpPr>
+        <p:spPr>
+          <a:xfrm>
+            <a:off x="228600" y="1219200"/>
+            <a:ext cx="6248400" cy="1295400"/>
+          </a:xfrm>
+          <a:prstGeom prst="wedgeRectCallout">
+            <a:avLst>
+              <a:gd name="adj1" fmla="val 55739"/>
+              <a:gd name="adj2" fmla="val -21336"/>
+            </a:avLst>
+          </a:prstGeom>
+        </p:spPr>
+        <p:style>
+          <a:lnRef idx="2">
+            <a:schemeClr val="accent1"/>
+          </a:lnRef>
+          <a:fillRef idx="1">
+            <a:schemeClr val="lt1"/>
+          </a:fillRef>
+          <a:effectRef idx="0">
+            <a:schemeClr val="accent1"/>
+          </a:effectRef>
+          <a:fontRef idx="minor">
+            <a:schemeClr val="dk1"/>
+          </a:fontRef>
+        </p:style>
+        <p:txBody>
+          <a:bodyPr rtlCol="0" anchor="ctr"/>
+          <a:lstStyle/>
+          <a:p>
+            <a:r>
+              <a:rPr lang="en-US" b="1" u="sng" dirty="0" smtClean="0"/>
+              <a:t>Create a file t/Factory1.t</a:t>
+            </a:r>
+          </a:p>
+          <a:p>
+            <a:r>
+              <a:rPr lang="en-US" dirty="0" smtClean="0"/>
+              <a:t>These are many of the test commands you will commonly use… there are many more. You will use 20% of the commands 80% of the time.. Plan accordingly!</a:t>
+            </a:r>
+          </a:p>
+          <a:p>
+            <a:endParaRPr lang="en-US" b="1" u="sng" dirty="0" smtClean="0"/>
+          </a:p>
+        </p:txBody>
+      </p:sp>
+      <p:sp>
+        <p:nvSpPr>
+          <p:cNvPr id="9" name="Rectangular Callout 8"/>
+          <p:cNvSpPr/>
+          <p:nvPr/>
+        </p:nvSpPr>
+        <p:spPr>
+          <a:xfrm>
+            <a:off x="76200" y="5486400"/>
+            <a:ext cx="2590800" cy="1135566"/>
+          </a:xfrm>
+          <a:prstGeom prst="wedgeRectCallout">
+            <a:avLst>
+              <a:gd name="adj1" fmla="val 64359"/>
+              <a:gd name="adj2" fmla="val 21994"/>
+            </a:avLst>
+          </a:prstGeom>
+        </p:spPr>
+        <p:style>
+          <a:lnRef idx="2">
+            <a:schemeClr val="accent1"/>
+          </a:lnRef>
+          <a:fillRef idx="1">
+            <a:schemeClr val="lt1"/>
+          </a:fillRef>
+          <a:effectRef idx="0">
+            <a:schemeClr val="accent1"/>
+          </a:effectRef>
+          <a:fontRef idx="minor">
+            <a:schemeClr val="dk1"/>
+          </a:fontRef>
+        </p:style>
+        <p:txBody>
+          <a:bodyPr rtlCol="0" anchor="ctr"/>
+          <a:lstStyle/>
+          <a:p>
+            <a:pPr algn="ctr"/>
+            <a:r>
+              <a:rPr lang="en-US" dirty="0" smtClean="0"/>
+              <a:t>This is from </a:t>
+            </a:r>
+            <a:r>
+              <a:rPr lang="en-US" b="1" u="sng" dirty="0" smtClean="0"/>
+              <a:t>prove</a:t>
+            </a:r>
+            <a:r>
+              <a:rPr lang="en-US" dirty="0" smtClean="0"/>
+              <a:t>. Useful when you have many test files and want to run them all.</a:t>
+            </a:r>
+            <a:endParaRPr lang="en-US" dirty="0" smtClean="0"/>
+          </a:p>
+        </p:txBody>
+      </p:sp>
+      <p:pic>
+        <p:nvPicPr>
+          <p:cNvPr id="10" name="Picture 9"/>
+          <p:cNvPicPr>
+            <a:picLocks noChangeAspect="1"/>
+          </p:cNvPicPr>
+          <p:nvPr/>
+        </p:nvPicPr>
+        <p:blipFill>
+          <a:blip r:embed="rId4"/>
+          <a:stretch>
+            <a:fillRect/>
+          </a:stretch>
+        </p:blipFill>
+        <p:spPr>
+          <a:xfrm>
+            <a:off x="3065888" y="6229350"/>
+            <a:ext cx="9096375" cy="628650"/>
+          </a:xfrm>
+          <a:prstGeom prst="rect">
+            <a:avLst/>
+          </a:prstGeom>
+        </p:spPr>
+      </p:pic>
+      <p:sp>
+        <p:nvSpPr>
+          <p:cNvPr id="11" name="Rectangular Callout 10"/>
+          <p:cNvSpPr/>
+          <p:nvPr/>
+        </p:nvSpPr>
+        <p:spPr>
+          <a:xfrm>
+            <a:off x="228600" y="2743200"/>
+            <a:ext cx="6248400" cy="457200"/>
+          </a:xfrm>
+          <a:prstGeom prst="wedgeRectCallout">
+            <a:avLst>
+              <a:gd name="adj1" fmla="val 6126"/>
+              <a:gd name="adj2" fmla="val 161591"/>
+            </a:avLst>
+          </a:prstGeom>
+        </p:spPr>
+        <p:style>
+          <a:lnRef idx="2">
+            <a:schemeClr val="accent1"/>
+          </a:lnRef>
+          <a:fillRef idx="1">
+            <a:schemeClr val="lt1"/>
+          </a:fillRef>
+          <a:effectRef idx="0">
+            <a:schemeClr val="accent1"/>
+          </a:effectRef>
+          <a:fontRef idx="minor">
+            <a:schemeClr val="dk1"/>
+          </a:fontRef>
+        </p:style>
+        <p:txBody>
+          <a:bodyPr rtlCol="0" anchor="ctr"/>
+          <a:lstStyle/>
+          <a:p>
+            <a:r>
+              <a:rPr lang="en-US" dirty="0" smtClean="0"/>
+              <a:t>This is output from </a:t>
+            </a:r>
+            <a:r>
+              <a:rPr lang="en-US" dirty="0" err="1" smtClean="0"/>
+              <a:t>perl</a:t>
+            </a:r>
+            <a:r>
+              <a:rPr lang="en-US" dirty="0" smtClean="0"/>
+              <a:t> –d t/Factory.t</a:t>
+            </a:r>
+            <a:endParaRPr lang="en-US" dirty="0" smtClean="0"/>
+          </a:p>
+        </p:txBody>
+      </p:sp>
+    </p:spTree>
+    <p:extLst>
+      <p:ext uri="{BB962C8B-B14F-4D97-AF65-F5344CB8AC3E}">
+        <p14:creationId xmlns:p14="http://schemas.microsoft.com/office/powerpoint/2010/main" val="1485846060"/>
+      </p:ext>
+    </p:extLst>
+  </p:cSld>
+  <p:clrMapOvr>
+    <a:masterClrMapping/>
+  </p:clrMapOvr>
+</p:sld>
+</file>
+
+<file path=ppt/slides/slide12.xml><?xml version="1.0" encoding="utf-8"?>
+<p:sld xmlns:a="http://schemas.openxmlformats.org/drawingml/2006/main" xmlns:r="http://schemas.openxmlformats.org/officeDocument/2006/relationships" xmlns:p="http://schemas.openxmlformats.org/presentationml/2006/main">
+  <p:cSld>
+    <p:spTree>
+      <p:nvGrpSpPr>
+        <p:cNvPr id="1" name=""/>
+        <p:cNvGrpSpPr/>
+        <p:nvPr/>
+      </p:nvGrpSpPr>
+      <p:grpSpPr>
+        <a:xfrm>
+          <a:off x="0" y="0"/>
+          <a:ext cx="0" cy="0"/>
+          <a:chOff x="0" y="0"/>
+          <a:chExt cx="0" cy="0"/>
+        </a:xfrm>
+      </p:grpSpPr>
+      <p:sp>
+        <p:nvSpPr>
+          <p:cNvPr id="2" name="Title 1"/>
+          <p:cNvSpPr>
+            <a:spLocks noGrp="1"/>
+          </p:cNvSpPr>
+          <p:nvPr>
+            <p:ph type="title"/>
+          </p:nvPr>
+        </p:nvSpPr>
+        <p:spPr>
+          <a:xfrm>
+            <a:off x="152400" y="152401"/>
+            <a:ext cx="11811000" cy="457200"/>
+          </a:xfrm>
+        </p:spPr>
+        <p:txBody>
+          <a:bodyPr>
+            <a:normAutofit fontScale="90000"/>
+          </a:bodyPr>
+          <a:lstStyle/>
+          <a:p>
+            <a:r>
+              <a:rPr lang="en-US" dirty="0" smtClean="0"/>
+              <a:t>Trust but Verify – Testing your Code – Part 2</a:t>
+            </a:r>
+            <a:endParaRPr lang="en-US" dirty="0"/>
+          </a:p>
+        </p:txBody>
+      </p:sp>
+      <p:sp>
+        <p:nvSpPr>
+          <p:cNvPr id="7" name="Rectangular Callout 6"/>
+          <p:cNvSpPr/>
+          <p:nvPr/>
+        </p:nvSpPr>
+        <p:spPr>
+          <a:xfrm>
+            <a:off x="152400" y="2819400"/>
+            <a:ext cx="6248400" cy="2133600"/>
+          </a:xfrm>
+          <a:prstGeom prst="wedgeRectCallout">
+            <a:avLst>
+              <a:gd name="adj1" fmla="val 55739"/>
+              <a:gd name="adj2" fmla="val -21336"/>
+            </a:avLst>
+          </a:prstGeom>
+        </p:spPr>
+        <p:style>
+          <a:lnRef idx="2">
+            <a:schemeClr val="accent1"/>
+          </a:lnRef>
+          <a:fillRef idx="1">
+            <a:schemeClr val="lt1"/>
+          </a:fillRef>
+          <a:effectRef idx="0">
+            <a:schemeClr val="accent1"/>
+          </a:effectRef>
+          <a:fontRef idx="minor">
+            <a:schemeClr val="dk1"/>
+          </a:fontRef>
+        </p:style>
+        <p:txBody>
+          <a:bodyPr rtlCol="0" anchor="ctr"/>
+          <a:lstStyle/>
+          <a:p>
+            <a:r>
+              <a:rPr lang="en-US" dirty="0" smtClean="0"/>
+              <a:t>This is why you should not print messages inside your objects. These are the kinds of hoops you have to go thru to test STDOUT printing. </a:t>
+            </a:r>
+          </a:p>
+          <a:p>
+            <a:endParaRPr lang="en-US" dirty="0" smtClean="0"/>
+          </a:p>
+          <a:p>
+            <a:r>
+              <a:rPr lang="en-US" dirty="0" smtClean="0"/>
+              <a:t>You are far better off returning a string and testing that. You can print that string inside the method, if you must!</a:t>
+            </a:r>
+          </a:p>
+        </p:txBody>
+      </p:sp>
+      <p:pic>
+        <p:nvPicPr>
+          <p:cNvPr id="6" name="Picture 5"/>
+          <p:cNvPicPr>
+            <a:picLocks noChangeAspect="1"/>
+          </p:cNvPicPr>
+          <p:nvPr/>
+        </p:nvPicPr>
+        <p:blipFill>
+          <a:blip r:embed="rId2"/>
+          <a:stretch>
+            <a:fillRect/>
+          </a:stretch>
+        </p:blipFill>
+        <p:spPr>
+          <a:xfrm>
+            <a:off x="6858000" y="2209800"/>
+            <a:ext cx="4953000" cy="3190875"/>
+          </a:xfrm>
+          <a:prstGeom prst="rect">
+            <a:avLst/>
+          </a:prstGeom>
+        </p:spPr>
+      </p:pic>
+    </p:spTree>
+    <p:extLst>
+      <p:ext uri="{BB962C8B-B14F-4D97-AF65-F5344CB8AC3E}">
+        <p14:creationId xmlns:p14="http://schemas.microsoft.com/office/powerpoint/2010/main" val="10349488"/>
+      </p:ext>
+    </p:extLst>
+  </p:cSld>
+  <p:clrMapOvr>
+    <a:masterClrMapping/>
+  </p:clrMapOvr>
+</p:sld>
+</file>
+
+<file path=ppt/slides/slide13.xml><?xml version="1.0" encoding="utf-8"?>
+<p:sld xmlns:a="http://schemas.openxmlformats.org/drawingml/2006/main" xmlns:r="http://schemas.openxmlformats.org/officeDocument/2006/relationships" xmlns:p="http://schemas.openxmlformats.org/presentationml/2006/main">
+  <p:cSld>
+    <p:spTree>
+      <p:nvGrpSpPr>
+        <p:cNvPr id="1" name=""/>
+        <p:cNvGrpSpPr/>
+        <p:nvPr/>
+      </p:nvGrpSpPr>
+      <p:grpSpPr>
+        <a:xfrm>
+          <a:off x="0" y="0"/>
+          <a:ext cx="0" cy="0"/>
+          <a:chOff x="0" y="0"/>
+          <a:chExt cx="0" cy="0"/>
+        </a:xfrm>
+      </p:grpSpPr>
+      <p:sp>
+        <p:nvSpPr>
+          <p:cNvPr id="2" name="Title 1"/>
+          <p:cNvSpPr>
+            <a:spLocks noGrp="1"/>
+          </p:cNvSpPr>
+          <p:nvPr>
+            <p:ph type="title"/>
+          </p:nvPr>
+        </p:nvSpPr>
+        <p:spPr/>
+        <p:txBody>
+          <a:bodyPr/>
+          <a:lstStyle/>
+          <a:p>
+            <a:endParaRPr lang="en-US"/>
+          </a:p>
+        </p:txBody>
+      </p:sp>
+      <p:sp>
+        <p:nvSpPr>
+          <p:cNvPr id="3" name="Content Placeholder 2"/>
+          <p:cNvSpPr>
+            <a:spLocks noGrp="1"/>
+          </p:cNvSpPr>
+          <p:nvPr>
+            <p:ph idx="1"/>
+          </p:nvPr>
+        </p:nvSpPr>
+        <p:spPr/>
+        <p:txBody>
+          <a:bodyPr/>
+          <a:lstStyle/>
+          <a:p>
+            <a:endParaRPr lang="en-US"/>
+          </a:p>
+        </p:txBody>
+      </p:sp>
+    </p:spTree>
+    <p:extLst>
+      <p:ext uri="{BB962C8B-B14F-4D97-AF65-F5344CB8AC3E}">
+        <p14:creationId xmlns:p14="http://schemas.microsoft.com/office/powerpoint/2010/main" val="1473776921"/>
       </p:ext>
     </p:extLst>
   </p:cSld>
@@ -3476,140 +3986,119 @@
             <p:ph type="title"/>
           </p:nvPr>
         </p:nvSpPr>
-        <p:spPr>
-          <a:xfrm>
-            <a:off x="838200" y="365125"/>
-            <a:ext cx="10515600" cy="1082675"/>
-          </a:xfrm>
-        </p:spPr>
-        <p:txBody>
-          <a:bodyPr/>
-          <a:lstStyle/>
-          <a:p>
-            <a:r>
-              <a:rPr lang="en-US" dirty="0" smtClean="0"/>
-              <a:t>Class Diagram for Factory Pattern</a:t>
+        <p:spPr/>
+        <p:txBody>
+          <a:bodyPr/>
+          <a:lstStyle/>
+          <a:p>
+            <a:pPr algn="ctr"/>
+            <a:r>
+              <a:rPr lang="en-US" dirty="0" smtClean="0"/>
+              <a:t>Implementation </a:t>
             </a:r>
             <a:endParaRPr lang="en-US" dirty="0"/>
           </a:p>
         </p:txBody>
       </p:sp>
-      <p:pic>
-        <p:nvPicPr>
-          <p:cNvPr id="5" name="Picture 4"/>
-          <p:cNvPicPr>
-            <a:picLocks noChangeAspect="1"/>
-          </p:cNvPicPr>
-          <p:nvPr/>
-        </p:nvPicPr>
-        <p:blipFill>
-          <a:blip r:embed="rId2"/>
-          <a:stretch>
-            <a:fillRect/>
-          </a:stretch>
-        </p:blipFill>
-        <p:spPr>
-          <a:xfrm>
-            <a:off x="2819400" y="1676400"/>
-            <a:ext cx="8791575" cy="5343939"/>
-          </a:xfrm>
-          <a:prstGeom prst="rect">
-            <a:avLst/>
-          </a:prstGeom>
-        </p:spPr>
-      </p:pic>
-      <p:sp>
-        <p:nvSpPr>
-          <p:cNvPr id="6" name="Rectangular Callout 5"/>
-          <p:cNvSpPr/>
-          <p:nvPr/>
-        </p:nvSpPr>
-        <p:spPr>
-          <a:xfrm>
-            <a:off x="152400" y="1981200"/>
-            <a:ext cx="1981200" cy="1371600"/>
-          </a:xfrm>
-          <a:prstGeom prst="wedgeRectCallout">
-            <a:avLst>
-              <a:gd name="adj1" fmla="val 195302"/>
-              <a:gd name="adj2" fmla="val -3354"/>
-            </a:avLst>
-          </a:prstGeom>
-        </p:spPr>
-        <p:style>
-          <a:lnRef idx="2">
-            <a:schemeClr val="accent1"/>
-          </a:lnRef>
-          <a:fillRef idx="1">
-            <a:schemeClr val="lt1"/>
-          </a:fillRef>
-          <a:effectRef idx="0">
-            <a:schemeClr val="accent1"/>
-          </a:effectRef>
-          <a:fontRef idx="minor">
-            <a:schemeClr val="dk1"/>
-          </a:fontRef>
-        </p:style>
-        <p:txBody>
-          <a:bodyPr rtlCol="0" anchor="ctr"/>
-          <a:lstStyle/>
-          <a:p>
-            <a:pPr algn="ctr"/>
-            <a:r>
-              <a:rPr lang="en-US" dirty="0" smtClean="0"/>
-              <a:t>No interfaces in Perl, use abstract classes instead</a:t>
-            </a:r>
-          </a:p>
-        </p:txBody>
-      </p:sp>
-      <p:sp>
-        <p:nvSpPr>
-          <p:cNvPr id="8" name="Rectangular Callout 7"/>
-          <p:cNvSpPr/>
-          <p:nvPr/>
-        </p:nvSpPr>
-        <p:spPr>
-          <a:xfrm>
-            <a:off x="228600" y="3581400"/>
-            <a:ext cx="1981200" cy="1371600"/>
-          </a:xfrm>
-          <a:prstGeom prst="wedgeRectCallout">
-            <a:avLst>
-              <a:gd name="adj1" fmla="val 109185"/>
-              <a:gd name="adj2" fmla="val 72256"/>
-            </a:avLst>
-          </a:prstGeom>
-        </p:spPr>
-        <p:style>
-          <a:lnRef idx="2">
-            <a:schemeClr val="accent1"/>
-          </a:lnRef>
-          <a:fillRef idx="1">
-            <a:schemeClr val="lt1"/>
-          </a:fillRef>
-          <a:effectRef idx="0">
-            <a:schemeClr val="accent1"/>
-          </a:effectRef>
-          <a:fontRef idx="minor">
-            <a:schemeClr val="dk1"/>
-          </a:fontRef>
-        </p:style>
-        <p:txBody>
-          <a:bodyPr rtlCol="0" anchor="ctr"/>
-          <a:lstStyle/>
-          <a:p>
-            <a:pPr algn="ctr"/>
-            <a:r>
-              <a:rPr lang="en-US" dirty="0" smtClean="0"/>
-              <a:t>These are concrete classes</a:t>
-            </a:r>
+      <p:sp>
+        <p:nvSpPr>
+          <p:cNvPr id="3" name="Content Placeholder 2"/>
+          <p:cNvSpPr>
+            <a:spLocks noGrp="1"/>
+          </p:cNvSpPr>
+          <p:nvPr>
+            <p:ph idx="1"/>
+          </p:nvPr>
+        </p:nvSpPr>
+        <p:spPr/>
+        <p:txBody>
+          <a:bodyPr/>
+          <a:lstStyle/>
+          <a:p>
+            <a:r>
+              <a:rPr lang="en-US" dirty="0"/>
+              <a:t>We're going to create a </a:t>
+            </a:r>
+            <a:r>
+              <a:rPr lang="en-US" i="1" dirty="0"/>
+              <a:t>Shape</a:t>
+            </a:r>
+            <a:r>
+              <a:rPr lang="en-US" dirty="0"/>
+              <a:t> interface and concrete classes implementing the </a:t>
+            </a:r>
+            <a:r>
+              <a:rPr lang="en-US" i="1" dirty="0"/>
+              <a:t>Shape</a:t>
+            </a:r>
+            <a:r>
+              <a:rPr lang="en-US" dirty="0"/>
+              <a:t> interface. A factory class </a:t>
+            </a:r>
+            <a:r>
+              <a:rPr lang="en-US" i="1" dirty="0" err="1"/>
+              <a:t>ShapeFactory</a:t>
+            </a:r>
+            <a:r>
+              <a:rPr lang="en-US" dirty="0"/>
+              <a:t> is defined as a next step.</a:t>
+            </a:r>
+          </a:p>
+          <a:p>
+            <a:r>
+              <a:rPr lang="en-US" i="1" dirty="0" err="1"/>
+              <a:t>FactoryPatternDemo</a:t>
+            </a:r>
+            <a:r>
+              <a:rPr lang="en-US" dirty="0"/>
+              <a:t>, our demo class will use </a:t>
+            </a:r>
+            <a:r>
+              <a:rPr lang="en-US" i="1" dirty="0" err="1"/>
+              <a:t>ShapeFactory</a:t>
+            </a:r>
+            <a:r>
+              <a:rPr lang="en-US" dirty="0"/>
+              <a:t> to get a </a:t>
+            </a:r>
+            <a:r>
+              <a:rPr lang="en-US" i="1" dirty="0" err="1"/>
+              <a:t>Shape</a:t>
+            </a:r>
+            <a:r>
+              <a:rPr lang="en-US" dirty="0" err="1"/>
+              <a:t>object</a:t>
+            </a:r>
+            <a:r>
+              <a:rPr lang="en-US" dirty="0"/>
+              <a:t>. It will pass information (</a:t>
+            </a:r>
+            <a:r>
+              <a:rPr lang="en-US" i="1" dirty="0"/>
+              <a:t>CIRCLE / RECTANGLE / SQUARE</a:t>
+            </a:r>
+            <a:r>
+              <a:rPr lang="en-US" dirty="0"/>
+              <a:t>) to </a:t>
+            </a:r>
+            <a:r>
+              <a:rPr lang="en-US" i="1" dirty="0" err="1"/>
+              <a:t>ShapeFactory</a:t>
+            </a:r>
+            <a:r>
+              <a:rPr lang="en-US" dirty="0"/>
+              <a:t> to get the type of object it needs.</a:t>
+            </a:r>
+          </a:p>
+          <a:p>
+            <a:endParaRPr lang="en-US" dirty="0"/>
           </a:p>
         </p:txBody>
       </p:sp>
     </p:spTree>
     <p:extLst>
       <p:ext uri="{BB962C8B-B14F-4D97-AF65-F5344CB8AC3E}">
-        <p14:creationId xmlns:p14="http://schemas.microsoft.com/office/powerpoint/2010/main" val="1529165935"/>
+        <p14:creationId xmlns:p14="http://schemas.microsoft.com/office/powerpoint/2010/main" val="1778029935"/>
       </p:ext>
     </p:extLst>
   </p:cSld>
@@ -3646,119 +4135,140 @@
             <p:ph type="title"/>
           </p:nvPr>
         </p:nvSpPr>
-        <p:spPr/>
-        <p:txBody>
-          <a:bodyPr/>
+        <p:spPr>
+          <a:xfrm>
+            <a:off x="838200" y="365125"/>
+            <a:ext cx="10515600" cy="1082675"/>
+          </a:xfrm>
+        </p:spPr>
+        <p:txBody>
+          <a:bodyPr/>
+          <a:lstStyle/>
+          <a:p>
+            <a:r>
+              <a:rPr lang="en-US" dirty="0" smtClean="0"/>
+              <a:t>Class Diagram for Factory Pattern</a:t>
+            </a:r>
+            <a:endParaRPr lang="en-US" dirty="0"/>
+          </a:p>
+        </p:txBody>
+      </p:sp>
+      <p:pic>
+        <p:nvPicPr>
+          <p:cNvPr id="5" name="Picture 4"/>
+          <p:cNvPicPr>
+            <a:picLocks noChangeAspect="1"/>
+          </p:cNvPicPr>
+          <p:nvPr/>
+        </p:nvPicPr>
+        <p:blipFill>
+          <a:blip r:embed="rId2"/>
+          <a:stretch>
+            <a:fillRect/>
+          </a:stretch>
+        </p:blipFill>
+        <p:spPr>
+          <a:xfrm>
+            <a:off x="2819400" y="1676400"/>
+            <a:ext cx="8791575" cy="5343939"/>
+          </a:xfrm>
+          <a:prstGeom prst="rect">
+            <a:avLst/>
+          </a:prstGeom>
+        </p:spPr>
+      </p:pic>
+      <p:sp>
+        <p:nvSpPr>
+          <p:cNvPr id="6" name="Rectangular Callout 5"/>
+          <p:cNvSpPr/>
+          <p:nvPr/>
+        </p:nvSpPr>
+        <p:spPr>
+          <a:xfrm>
+            <a:off x="152400" y="1981200"/>
+            <a:ext cx="1981200" cy="1371600"/>
+          </a:xfrm>
+          <a:prstGeom prst="wedgeRectCallout">
+            <a:avLst>
+              <a:gd name="adj1" fmla="val 195302"/>
+              <a:gd name="adj2" fmla="val -3354"/>
+            </a:avLst>
+          </a:prstGeom>
+        </p:spPr>
+        <p:style>
+          <a:lnRef idx="2">
+            <a:schemeClr val="accent1"/>
+          </a:lnRef>
+          <a:fillRef idx="1">
+            <a:schemeClr val="lt1"/>
+          </a:fillRef>
+          <a:effectRef idx="0">
+            <a:schemeClr val="accent1"/>
+          </a:effectRef>
+          <a:fontRef idx="minor">
+            <a:schemeClr val="dk1"/>
+          </a:fontRef>
+        </p:style>
+        <p:txBody>
+          <a:bodyPr rtlCol="0" anchor="ctr"/>
           <a:lstStyle/>
           <a:p>
             <a:pPr algn="ctr"/>
             <a:r>
               <a:rPr lang="en-US" dirty="0" smtClean="0"/>
-              <a:t>Implementation </a:t>
-            </a:r>
-            <a:endParaRPr lang="en-US" dirty="0"/>
-          </a:p>
-        </p:txBody>
-      </p:sp>
-      <p:sp>
-        <p:nvSpPr>
-          <p:cNvPr id="3" name="Content Placeholder 2"/>
-          <p:cNvSpPr>
-            <a:spLocks noGrp="1"/>
-          </p:cNvSpPr>
-          <p:nvPr>
-            <p:ph idx="1"/>
-          </p:nvPr>
-        </p:nvSpPr>
-        <p:spPr/>
-        <p:txBody>
-          <a:bodyPr/>
-          <a:lstStyle/>
-          <a:p>
-            <a:r>
-              <a:rPr lang="en-US" dirty="0"/>
-              <a:t>We're going to create a </a:t>
-            </a:r>
-            <a:r>
-              <a:rPr lang="en-US" i="1" dirty="0"/>
-              <a:t>Shape</a:t>
-            </a:r>
-            <a:r>
-              <a:rPr lang="en-US" dirty="0"/>
-              <a:t> interface and concrete classes implementing the </a:t>
-            </a:r>
-            <a:r>
-              <a:rPr lang="en-US" i="1" dirty="0"/>
-              <a:t>Shape</a:t>
-            </a:r>
-            <a:r>
-              <a:rPr lang="en-US" dirty="0"/>
-              <a:t> interface. A factory class </a:t>
-            </a:r>
-            <a:r>
-              <a:rPr lang="en-US" i="1" dirty="0" err="1"/>
-              <a:t>ShapeFactory</a:t>
-            </a:r>
-            <a:r>
-              <a:rPr lang="en-US" dirty="0"/>
-              <a:t> is defined as a next step.</a:t>
-            </a:r>
-          </a:p>
-          <a:p>
-            <a:r>
-              <a:rPr lang="en-US" i="1" dirty="0" err="1"/>
-              <a:t>FactoryPatternDemo</a:t>
-            </a:r>
-            <a:r>
-              <a:rPr lang="en-US" dirty="0"/>
-              <a:t>, our demo class will use </a:t>
-            </a:r>
-            <a:r>
-              <a:rPr lang="en-US" i="1" dirty="0" err="1"/>
-              <a:t>ShapeFactory</a:t>
-            </a:r>
-            <a:r>
-              <a:rPr lang="en-US" dirty="0"/>
-              <a:t> to get a </a:t>
-            </a:r>
-            <a:r>
-              <a:rPr lang="en-US" i="1" dirty="0" err="1"/>
-              <a:t>Shape</a:t>
-            </a:r>
-            <a:r>
-              <a:rPr lang="en-US" dirty="0" err="1"/>
-              <a:t>object</a:t>
-            </a:r>
-            <a:r>
-              <a:rPr lang="en-US" dirty="0"/>
-              <a:t>. It will pass information (</a:t>
-            </a:r>
-            <a:r>
-              <a:rPr lang="en-US" i="1" dirty="0"/>
-              <a:t>CIRCLE / RECTANGLE / SQUARE</a:t>
-            </a:r>
-            <a:r>
-              <a:rPr lang="en-US" dirty="0"/>
-              <a:t>) to </a:t>
-            </a:r>
-            <a:r>
-              <a:rPr lang="en-US" i="1" dirty="0" err="1"/>
-              <a:t>ShapeFactory</a:t>
-            </a:r>
-            <a:r>
-              <a:rPr lang="en-US" dirty="0"/>
-              <a:t> to get the type of object it needs.</a:t>
-            </a:r>
-          </a:p>
-          <a:p>
-            <a:endParaRPr lang="en-US" dirty="0"/>
+              <a:t>No interfaces in Perl, use abstract classes instead</a:t>
+            </a:r>
+          </a:p>
+        </p:txBody>
+      </p:sp>
+      <p:sp>
+        <p:nvSpPr>
+          <p:cNvPr id="8" name="Rectangular Callout 7"/>
+          <p:cNvSpPr/>
+          <p:nvPr/>
+        </p:nvSpPr>
+        <p:spPr>
+          <a:xfrm>
+            <a:off x="228600" y="3581400"/>
+            <a:ext cx="1981200" cy="1371600"/>
+          </a:xfrm>
+          <a:prstGeom prst="wedgeRectCallout">
+            <a:avLst>
+              <a:gd name="adj1" fmla="val 109185"/>
+              <a:gd name="adj2" fmla="val 72256"/>
+            </a:avLst>
+          </a:prstGeom>
+        </p:spPr>
+        <p:style>
+          <a:lnRef idx="2">
+            <a:schemeClr val="accent1"/>
+          </a:lnRef>
+          <a:fillRef idx="1">
+            <a:schemeClr val="lt1"/>
+          </a:fillRef>
+          <a:effectRef idx="0">
+            <a:schemeClr val="accent1"/>
+          </a:effectRef>
+          <a:fontRef idx="minor">
+            <a:schemeClr val="dk1"/>
+          </a:fontRef>
+        </p:style>
+        <p:txBody>
+          <a:bodyPr rtlCol="0" anchor="ctr"/>
+          <a:lstStyle/>
+          <a:p>
+            <a:pPr algn="ctr"/>
+            <a:r>
+              <a:rPr lang="en-US" dirty="0" smtClean="0"/>
+              <a:t>These are concrete classes</a:t>
+            </a:r>
           </a:p>
         </p:txBody>
       </p:sp>
     </p:spTree>
     <p:extLst>
       <p:ext uri="{BB962C8B-B14F-4D97-AF65-F5344CB8AC3E}">
-        <p14:creationId xmlns:p14="http://schemas.microsoft.com/office/powerpoint/2010/main" val="1778029935"/>
+        <p14:creationId xmlns:p14="http://schemas.microsoft.com/office/powerpoint/2010/main" val="1529165935"/>
       </p:ext>
     </p:extLst>
   </p:cSld>
@@ -4294,7 +4804,7 @@
           <a:p>
             <a:r>
               <a:rPr lang="en-US" dirty="0" smtClean="0"/>
-              <a:t>Note arrows in class diagram. This will indicate </a:t>
+              <a:t>Note arrows in class diagram. Outbound arrows indicate </a:t>
             </a:r>
             <a:r>
               <a:rPr lang="en-US" b="1" u="sng" dirty="0" smtClean="0"/>
@@ -4302,7 +4812,7 @@
             </a:r>
             <a:r>
               <a:rPr lang="en-US" dirty="0" smtClean="0"/>
-              <a:t> (our @ISA) or </a:t>
+              <a:t> (our @ISA) or inbound arrows for </a:t>
             </a:r>
             <a:r>
               <a:rPr lang="en-US" b="1" u="sng" dirty="0" smtClean="0"/>

--- a/Factory/Factory.pptx
+++ b/Factory/Factory.pptx
@@ -3828,7 +3828,11 @@
           <a:bodyPr/>
           <a:lstStyle/>
           <a:p>
-            <a:endParaRPr lang="en-US"/>
+            <a:r>
+              <a:rPr lang="en-US" dirty="0" smtClean="0"/>
+              <a:t>Want the code ?</a:t>
+            </a:r>
+            <a:endParaRPr lang="en-US" dirty="0"/>
           </a:p>
         </p:txBody>
       </p:sp>
@@ -3844,10 +3848,134 @@
         </p:nvSpPr>
         <p:spPr/>
         <p:txBody>
-          <a:bodyPr/>
-          <a:lstStyle/>
-          <a:p>
-            <a:endParaRPr lang="en-US"/>
+          <a:bodyPr>
+            <a:normAutofit fontScale="92500"/>
+          </a:bodyPr>
+          <a:lstStyle/>
+          <a:p>
+            <a:r>
+              <a:rPr lang="en-US" dirty="0" smtClean="0"/>
+              <a:t>Search “OOP on Perl” in </a:t>
+            </a:r>
+            <a:r>
+              <a:rPr lang="en-US" dirty="0" err="1" smtClean="0"/>
+              <a:t>Youtube</a:t>
+            </a:r>
+            <a:r>
+              <a:rPr lang="en-US" dirty="0" smtClean="0"/>
+              <a:t>… this will be updated shortly…  sorry,,, Building the plane while I am flying it!</a:t>
+            </a:r>
+          </a:p>
+          <a:p>
+            <a:r>
+              <a:rPr lang="en-US" dirty="0" smtClean="0"/>
+              <a:t>This just in ..the YouTube link… </a:t>
+            </a:r>
+            <a:r>
+              <a:rPr lang="en-US" dirty="0" smtClean="0">
+                <a:hlinkClick r:id="rId2"/>
+              </a:rPr>
+              <a:t>https://youtu.be/t-IP5EtMa8A</a:t>
+            </a:r>
+            <a:r>
+              <a:rPr lang="en-US" dirty="0" smtClean="0"/>
+              <a:t> .. Woohoo, my first </a:t>
+            </a:r>
+            <a:r>
+              <a:rPr lang="en-US" dirty="0" err="1" smtClean="0"/>
+              <a:t>youtube</a:t>
+            </a:r>
+            <a:r>
+              <a:rPr lang="en-US" dirty="0" smtClean="0"/>
+              <a:t>!</a:t>
+            </a:r>
+            <a:endParaRPr lang="en-US" dirty="0"/>
+          </a:p>
+          <a:p>
+            <a:r>
+              <a:rPr lang="en-US" dirty="0" smtClean="0"/>
+              <a:t>I will be dumping all of the modules here including </a:t>
+            </a:r>
+            <a:r>
+              <a:rPr lang="en-US" dirty="0" err="1" smtClean="0"/>
+              <a:t>pptx</a:t>
+            </a:r>
+            <a:r>
+              <a:rPr lang="en-US" dirty="0" smtClean="0"/>
+              <a:t>, lib/ and t/ files</a:t>
+            </a:r>
+          </a:p>
+          <a:p>
+            <a:r>
+              <a:rPr lang="en-US" dirty="0" smtClean="0">
+                <a:hlinkClick r:id="rId3"/>
+              </a:rPr>
+              <a:t>https://github.com/janman27929/OOP_perl</a:t>
+            </a:r>
+            <a:endParaRPr lang="en-US" dirty="0" smtClean="0"/>
+          </a:p>
+          <a:p>
+            <a:r>
+              <a:rPr lang="en-US" dirty="0" smtClean="0"/>
+              <a:t>Should be able to dump to your </a:t>
+            </a:r>
+            <a:r>
+              <a:rPr lang="en-US" dirty="0" err="1" smtClean="0"/>
+              <a:t>favourite</a:t>
+            </a:r>
+            <a:r>
+              <a:rPr lang="en-US" dirty="0" smtClean="0"/>
+              <a:t> </a:t>
+            </a:r>
+            <a:r>
+              <a:rPr lang="en-US" dirty="0" err="1" smtClean="0"/>
+              <a:t>dir</a:t>
+            </a:r>
+            <a:r>
+              <a:rPr lang="en-US" dirty="0"/>
+              <a:t> </a:t>
+            </a:r>
+            <a:r>
+              <a:rPr lang="en-US" dirty="0" smtClean="0"/>
+              <a:t>and hack away</a:t>
+            </a:r>
+          </a:p>
+          <a:p>
+            <a:r>
+              <a:rPr lang="en-US" dirty="0" smtClean="0"/>
+              <a:t>Hurry </a:t>
+            </a:r>
+            <a:r>
+              <a:rPr lang="en-US" dirty="0" err="1" smtClean="0"/>
+              <a:t>Hurry</a:t>
+            </a:r>
+            <a:r>
+              <a:rPr lang="en-US" dirty="0" smtClean="0"/>
+              <a:t>, subscribe now and get in at the ground floor!</a:t>
+            </a:r>
+          </a:p>
+          <a:p>
+            <a:r>
+              <a:rPr lang="en-US" dirty="0" smtClean="0"/>
+              <a:t>Please email me at </a:t>
+            </a:r>
+            <a:r>
+              <a:rPr lang="en-US" dirty="0" smtClean="0">
+                <a:hlinkClick r:id="rId4"/>
+              </a:rPr>
+              <a:t>janman27929@gmail.com</a:t>
+            </a:r>
+            <a:r>
+              <a:rPr lang="en-US" dirty="0" smtClean="0"/>
+              <a:t> if you have any questions.</a:t>
+            </a:r>
+            <a:endParaRPr lang="en-US" dirty="0"/>
+          </a:p>
+          <a:p>
+            <a:pPr marL="0" indent="0">
+              <a:buNone/>
+            </a:pPr>
+            <a:endParaRPr lang="en-US" dirty="0"/>
           </a:p>
         </p:txBody>
       </p:sp>
